--- a/발표자료/2020-1 스크립트 언어 중간발표.pptx
+++ b/발표자료/2020-1 스크립트 언어 중간발표.pptx
@@ -140,7 +140,7 @@
           <p:cNvPr id="2" name="제목 1">
             <a:extLst>
               <a:ext uri="{FF2B5EF4-FFF2-40B4-BE49-F238E27FC236}">
-                <a16:creationId xmlns="" xmlns:a16="http://schemas.microsoft.com/office/drawing/2014/main" id="{5CD4AD41-B7FE-4BE1-9B4A-BC7DE933B74C}"/>
+                <a16:creationId xmlns:a16="http://schemas.microsoft.com/office/drawing/2014/main" id="{5CD4AD41-B7FE-4BE1-9B4A-BC7DE933B74C}"/>
               </a:ext>
             </a:extLst>
           </p:cNvPr>
@@ -177,7 +177,7 @@
           <p:cNvPr id="3" name="부제목 2">
             <a:extLst>
               <a:ext uri="{FF2B5EF4-FFF2-40B4-BE49-F238E27FC236}">
-                <a16:creationId xmlns="" xmlns:a16="http://schemas.microsoft.com/office/drawing/2014/main" id="{4082330A-A467-4409-B320-3EE1D678DF42}"/>
+                <a16:creationId xmlns:a16="http://schemas.microsoft.com/office/drawing/2014/main" id="{4082330A-A467-4409-B320-3EE1D678DF42}"/>
               </a:ext>
             </a:extLst>
           </p:cNvPr>
@@ -247,7 +247,7 @@
           <p:cNvPr id="4" name="날짜 개체 틀 3">
             <a:extLst>
               <a:ext uri="{FF2B5EF4-FFF2-40B4-BE49-F238E27FC236}">
-                <a16:creationId xmlns="" xmlns:a16="http://schemas.microsoft.com/office/drawing/2014/main" id="{5240D0B8-1CE3-4C57-B25C-2EFAB7D0B1B9}"/>
+                <a16:creationId xmlns:a16="http://schemas.microsoft.com/office/drawing/2014/main" id="{5240D0B8-1CE3-4C57-B25C-2EFAB7D0B1B9}"/>
               </a:ext>
             </a:extLst>
           </p:cNvPr>
@@ -265,7 +265,7 @@
           <a:p>
             <a:fld id="{B5095059-5FAE-4B3C-AD87-8046B5A98B15}" type="datetimeFigureOut">
               <a:rPr lang="ko-KR" altLang="en-US" smtClean="0"/>
-              <a:t>2020-06-09</a:t>
+              <a:t>2020-06-15</a:t>
             </a:fld>
             <a:endParaRPr lang="ko-KR" altLang="en-US"/>
           </a:p>
@@ -276,7 +276,7 @@
           <p:cNvPr id="5" name="바닥글 개체 틀 4">
             <a:extLst>
               <a:ext uri="{FF2B5EF4-FFF2-40B4-BE49-F238E27FC236}">
-                <a16:creationId xmlns="" xmlns:a16="http://schemas.microsoft.com/office/drawing/2014/main" id="{561F5D52-A304-4531-8553-9553D652CC07}"/>
+                <a16:creationId xmlns:a16="http://schemas.microsoft.com/office/drawing/2014/main" id="{561F5D52-A304-4531-8553-9553D652CC07}"/>
               </a:ext>
             </a:extLst>
           </p:cNvPr>
@@ -301,7 +301,7 @@
           <p:cNvPr id="6" name="슬라이드 번호 개체 틀 5">
             <a:extLst>
               <a:ext uri="{FF2B5EF4-FFF2-40B4-BE49-F238E27FC236}">
-                <a16:creationId xmlns="" xmlns:a16="http://schemas.microsoft.com/office/drawing/2014/main" id="{82C2AB90-0D40-46D4-8746-729F64A242B4}"/>
+                <a16:creationId xmlns:a16="http://schemas.microsoft.com/office/drawing/2014/main" id="{82C2AB90-0D40-46D4-8746-729F64A242B4}"/>
               </a:ext>
             </a:extLst>
           </p:cNvPr>
@@ -360,7 +360,7 @@
           <p:cNvPr id="2" name="제목 1">
             <a:extLst>
               <a:ext uri="{FF2B5EF4-FFF2-40B4-BE49-F238E27FC236}">
-                <a16:creationId xmlns="" xmlns:a16="http://schemas.microsoft.com/office/drawing/2014/main" id="{BE9B9D89-30EC-435A-B40E-7BDE855252F2}"/>
+                <a16:creationId xmlns:a16="http://schemas.microsoft.com/office/drawing/2014/main" id="{BE9B9D89-30EC-435A-B40E-7BDE855252F2}"/>
               </a:ext>
             </a:extLst>
           </p:cNvPr>
@@ -388,7 +388,7 @@
           <p:cNvPr id="3" name="세로 텍스트 개체 틀 2">
             <a:extLst>
               <a:ext uri="{FF2B5EF4-FFF2-40B4-BE49-F238E27FC236}">
-                <a16:creationId xmlns="" xmlns:a16="http://schemas.microsoft.com/office/drawing/2014/main" id="{8366ACCE-D944-4516-95B9-6E28C92344F2}"/>
+                <a16:creationId xmlns:a16="http://schemas.microsoft.com/office/drawing/2014/main" id="{8366ACCE-D944-4516-95B9-6E28C92344F2}"/>
               </a:ext>
             </a:extLst>
           </p:cNvPr>
@@ -445,7 +445,7 @@
           <p:cNvPr id="4" name="날짜 개체 틀 3">
             <a:extLst>
               <a:ext uri="{FF2B5EF4-FFF2-40B4-BE49-F238E27FC236}">
-                <a16:creationId xmlns="" xmlns:a16="http://schemas.microsoft.com/office/drawing/2014/main" id="{C6DB35B9-0A75-4A83-B23C-AD60ABF85327}"/>
+                <a16:creationId xmlns:a16="http://schemas.microsoft.com/office/drawing/2014/main" id="{C6DB35B9-0A75-4A83-B23C-AD60ABF85327}"/>
               </a:ext>
             </a:extLst>
           </p:cNvPr>
@@ -463,7 +463,7 @@
           <a:p>
             <a:fld id="{B5095059-5FAE-4B3C-AD87-8046B5A98B15}" type="datetimeFigureOut">
               <a:rPr lang="ko-KR" altLang="en-US" smtClean="0"/>
-              <a:t>2020-06-09</a:t>
+              <a:t>2020-06-15</a:t>
             </a:fld>
             <a:endParaRPr lang="ko-KR" altLang="en-US"/>
           </a:p>
@@ -474,7 +474,7 @@
           <p:cNvPr id="5" name="바닥글 개체 틀 4">
             <a:extLst>
               <a:ext uri="{FF2B5EF4-FFF2-40B4-BE49-F238E27FC236}">
-                <a16:creationId xmlns="" xmlns:a16="http://schemas.microsoft.com/office/drawing/2014/main" id="{9F3C2ADD-F26C-4E25-947C-F2DDB32A2B0E}"/>
+                <a16:creationId xmlns:a16="http://schemas.microsoft.com/office/drawing/2014/main" id="{9F3C2ADD-F26C-4E25-947C-F2DDB32A2B0E}"/>
               </a:ext>
             </a:extLst>
           </p:cNvPr>
@@ -499,7 +499,7 @@
           <p:cNvPr id="6" name="슬라이드 번호 개체 틀 5">
             <a:extLst>
               <a:ext uri="{FF2B5EF4-FFF2-40B4-BE49-F238E27FC236}">
-                <a16:creationId xmlns="" xmlns:a16="http://schemas.microsoft.com/office/drawing/2014/main" id="{97D2BD30-0067-43F1-81E9-0E64017058CC}"/>
+                <a16:creationId xmlns:a16="http://schemas.microsoft.com/office/drawing/2014/main" id="{97D2BD30-0067-43F1-81E9-0E64017058CC}"/>
               </a:ext>
             </a:extLst>
           </p:cNvPr>
@@ -558,7 +558,7 @@
           <p:cNvPr id="2" name="세로 제목 1">
             <a:extLst>
               <a:ext uri="{FF2B5EF4-FFF2-40B4-BE49-F238E27FC236}">
-                <a16:creationId xmlns="" xmlns:a16="http://schemas.microsoft.com/office/drawing/2014/main" id="{3007F81B-5F30-47C1-B57F-AFEFBD8DCBE4}"/>
+                <a16:creationId xmlns:a16="http://schemas.microsoft.com/office/drawing/2014/main" id="{3007F81B-5F30-47C1-B57F-AFEFBD8DCBE4}"/>
               </a:ext>
             </a:extLst>
           </p:cNvPr>
@@ -591,7 +591,7 @@
           <p:cNvPr id="3" name="세로 텍스트 개체 틀 2">
             <a:extLst>
               <a:ext uri="{FF2B5EF4-FFF2-40B4-BE49-F238E27FC236}">
-                <a16:creationId xmlns="" xmlns:a16="http://schemas.microsoft.com/office/drawing/2014/main" id="{F01A5F76-A1C7-4E31-94AF-1565663FEDE9}"/>
+                <a16:creationId xmlns:a16="http://schemas.microsoft.com/office/drawing/2014/main" id="{F01A5F76-A1C7-4E31-94AF-1565663FEDE9}"/>
               </a:ext>
             </a:extLst>
           </p:cNvPr>
@@ -653,7 +653,7 @@
           <p:cNvPr id="4" name="날짜 개체 틀 3">
             <a:extLst>
               <a:ext uri="{FF2B5EF4-FFF2-40B4-BE49-F238E27FC236}">
-                <a16:creationId xmlns="" xmlns:a16="http://schemas.microsoft.com/office/drawing/2014/main" id="{8DAEBE6A-240D-42D3-BCE4-055C54D87ED8}"/>
+                <a16:creationId xmlns:a16="http://schemas.microsoft.com/office/drawing/2014/main" id="{8DAEBE6A-240D-42D3-BCE4-055C54D87ED8}"/>
               </a:ext>
             </a:extLst>
           </p:cNvPr>
@@ -671,7 +671,7 @@
           <a:p>
             <a:fld id="{B5095059-5FAE-4B3C-AD87-8046B5A98B15}" type="datetimeFigureOut">
               <a:rPr lang="ko-KR" altLang="en-US" smtClean="0"/>
-              <a:t>2020-06-09</a:t>
+              <a:t>2020-06-15</a:t>
             </a:fld>
             <a:endParaRPr lang="ko-KR" altLang="en-US"/>
           </a:p>
@@ -682,7 +682,7 @@
           <p:cNvPr id="5" name="바닥글 개체 틀 4">
             <a:extLst>
               <a:ext uri="{FF2B5EF4-FFF2-40B4-BE49-F238E27FC236}">
-                <a16:creationId xmlns="" xmlns:a16="http://schemas.microsoft.com/office/drawing/2014/main" id="{B36513A4-4866-40C2-877D-E0F5FA31A99F}"/>
+                <a16:creationId xmlns:a16="http://schemas.microsoft.com/office/drawing/2014/main" id="{B36513A4-4866-40C2-877D-E0F5FA31A99F}"/>
               </a:ext>
             </a:extLst>
           </p:cNvPr>
@@ -707,7 +707,7 @@
           <p:cNvPr id="6" name="슬라이드 번호 개체 틀 5">
             <a:extLst>
               <a:ext uri="{FF2B5EF4-FFF2-40B4-BE49-F238E27FC236}">
-                <a16:creationId xmlns="" xmlns:a16="http://schemas.microsoft.com/office/drawing/2014/main" id="{5E2647FF-98E9-4A81-AB57-B9A338E46DD7}"/>
+                <a16:creationId xmlns:a16="http://schemas.microsoft.com/office/drawing/2014/main" id="{5E2647FF-98E9-4A81-AB57-B9A338E46DD7}"/>
               </a:ext>
             </a:extLst>
           </p:cNvPr>
@@ -766,7 +766,7 @@
           <p:cNvPr id="2" name="제목 1">
             <a:extLst>
               <a:ext uri="{FF2B5EF4-FFF2-40B4-BE49-F238E27FC236}">
-                <a16:creationId xmlns="" xmlns:a16="http://schemas.microsoft.com/office/drawing/2014/main" id="{F0020EDF-F0ED-4F5E-B84E-E0E15CAC70C2}"/>
+                <a16:creationId xmlns:a16="http://schemas.microsoft.com/office/drawing/2014/main" id="{F0020EDF-F0ED-4F5E-B84E-E0E15CAC70C2}"/>
               </a:ext>
             </a:extLst>
           </p:cNvPr>
@@ -794,7 +794,7 @@
           <p:cNvPr id="3" name="내용 개체 틀 2">
             <a:extLst>
               <a:ext uri="{FF2B5EF4-FFF2-40B4-BE49-F238E27FC236}">
-                <a16:creationId xmlns="" xmlns:a16="http://schemas.microsoft.com/office/drawing/2014/main" id="{B7975633-E57F-4F4E-8343-E2BBBED27769}"/>
+                <a16:creationId xmlns:a16="http://schemas.microsoft.com/office/drawing/2014/main" id="{B7975633-E57F-4F4E-8343-E2BBBED27769}"/>
               </a:ext>
             </a:extLst>
           </p:cNvPr>
@@ -851,7 +851,7 @@
           <p:cNvPr id="4" name="날짜 개체 틀 3">
             <a:extLst>
               <a:ext uri="{FF2B5EF4-FFF2-40B4-BE49-F238E27FC236}">
-                <a16:creationId xmlns="" xmlns:a16="http://schemas.microsoft.com/office/drawing/2014/main" id="{D9BB90A6-45C5-436B-825A-9711ECBAF9E2}"/>
+                <a16:creationId xmlns:a16="http://schemas.microsoft.com/office/drawing/2014/main" id="{D9BB90A6-45C5-436B-825A-9711ECBAF9E2}"/>
               </a:ext>
             </a:extLst>
           </p:cNvPr>
@@ -869,7 +869,7 @@
           <a:p>
             <a:fld id="{B5095059-5FAE-4B3C-AD87-8046B5A98B15}" type="datetimeFigureOut">
               <a:rPr lang="ko-KR" altLang="en-US" smtClean="0"/>
-              <a:t>2020-06-09</a:t>
+              <a:t>2020-06-15</a:t>
             </a:fld>
             <a:endParaRPr lang="ko-KR" altLang="en-US"/>
           </a:p>
@@ -880,7 +880,7 @@
           <p:cNvPr id="5" name="바닥글 개체 틀 4">
             <a:extLst>
               <a:ext uri="{FF2B5EF4-FFF2-40B4-BE49-F238E27FC236}">
-                <a16:creationId xmlns="" xmlns:a16="http://schemas.microsoft.com/office/drawing/2014/main" id="{2683D3F3-FF0E-4648-9E5F-EC947601AEA4}"/>
+                <a16:creationId xmlns:a16="http://schemas.microsoft.com/office/drawing/2014/main" id="{2683D3F3-FF0E-4648-9E5F-EC947601AEA4}"/>
               </a:ext>
             </a:extLst>
           </p:cNvPr>
@@ -905,7 +905,7 @@
           <p:cNvPr id="6" name="슬라이드 번호 개체 틀 5">
             <a:extLst>
               <a:ext uri="{FF2B5EF4-FFF2-40B4-BE49-F238E27FC236}">
-                <a16:creationId xmlns="" xmlns:a16="http://schemas.microsoft.com/office/drawing/2014/main" id="{55724525-30BE-42C7-A238-D91B93317977}"/>
+                <a16:creationId xmlns:a16="http://schemas.microsoft.com/office/drawing/2014/main" id="{55724525-30BE-42C7-A238-D91B93317977}"/>
               </a:ext>
             </a:extLst>
           </p:cNvPr>
@@ -964,7 +964,7 @@
           <p:cNvPr id="2" name="제목 1">
             <a:extLst>
               <a:ext uri="{FF2B5EF4-FFF2-40B4-BE49-F238E27FC236}">
-                <a16:creationId xmlns="" xmlns:a16="http://schemas.microsoft.com/office/drawing/2014/main" id="{5A99E969-154A-40D3-A5DA-EFFD5CC9BBDA}"/>
+                <a16:creationId xmlns:a16="http://schemas.microsoft.com/office/drawing/2014/main" id="{5A99E969-154A-40D3-A5DA-EFFD5CC9BBDA}"/>
               </a:ext>
             </a:extLst>
           </p:cNvPr>
@@ -1001,7 +1001,7 @@
           <p:cNvPr id="3" name="텍스트 개체 틀 2">
             <a:extLst>
               <a:ext uri="{FF2B5EF4-FFF2-40B4-BE49-F238E27FC236}">
-                <a16:creationId xmlns="" xmlns:a16="http://schemas.microsoft.com/office/drawing/2014/main" id="{C7B704CA-6CE1-42C6-8E0A-8A7737933605}"/>
+                <a16:creationId xmlns:a16="http://schemas.microsoft.com/office/drawing/2014/main" id="{C7B704CA-6CE1-42C6-8E0A-8A7737933605}"/>
               </a:ext>
             </a:extLst>
           </p:cNvPr>
@@ -1126,7 +1126,7 @@
           <p:cNvPr id="4" name="날짜 개체 틀 3">
             <a:extLst>
               <a:ext uri="{FF2B5EF4-FFF2-40B4-BE49-F238E27FC236}">
-                <a16:creationId xmlns="" xmlns:a16="http://schemas.microsoft.com/office/drawing/2014/main" id="{F31B186B-4E54-40AA-A2D5-647FA7A55FA6}"/>
+                <a16:creationId xmlns:a16="http://schemas.microsoft.com/office/drawing/2014/main" id="{F31B186B-4E54-40AA-A2D5-647FA7A55FA6}"/>
               </a:ext>
             </a:extLst>
           </p:cNvPr>
@@ -1144,7 +1144,7 @@
           <a:p>
             <a:fld id="{B5095059-5FAE-4B3C-AD87-8046B5A98B15}" type="datetimeFigureOut">
               <a:rPr lang="ko-KR" altLang="en-US" smtClean="0"/>
-              <a:t>2020-06-09</a:t>
+              <a:t>2020-06-15</a:t>
             </a:fld>
             <a:endParaRPr lang="ko-KR" altLang="en-US"/>
           </a:p>
@@ -1155,7 +1155,7 @@
           <p:cNvPr id="5" name="바닥글 개체 틀 4">
             <a:extLst>
               <a:ext uri="{FF2B5EF4-FFF2-40B4-BE49-F238E27FC236}">
-                <a16:creationId xmlns="" xmlns:a16="http://schemas.microsoft.com/office/drawing/2014/main" id="{5243FA29-39B3-4A85-A054-D9C4EA3687C9}"/>
+                <a16:creationId xmlns:a16="http://schemas.microsoft.com/office/drawing/2014/main" id="{5243FA29-39B3-4A85-A054-D9C4EA3687C9}"/>
               </a:ext>
             </a:extLst>
           </p:cNvPr>
@@ -1180,7 +1180,7 @@
           <p:cNvPr id="6" name="슬라이드 번호 개체 틀 5">
             <a:extLst>
               <a:ext uri="{FF2B5EF4-FFF2-40B4-BE49-F238E27FC236}">
-                <a16:creationId xmlns="" xmlns:a16="http://schemas.microsoft.com/office/drawing/2014/main" id="{AD9A7984-73AE-42DB-A1D2-06B3459AF7FE}"/>
+                <a16:creationId xmlns:a16="http://schemas.microsoft.com/office/drawing/2014/main" id="{AD9A7984-73AE-42DB-A1D2-06B3459AF7FE}"/>
               </a:ext>
             </a:extLst>
           </p:cNvPr>
@@ -1239,7 +1239,7 @@
           <p:cNvPr id="2" name="제목 1">
             <a:extLst>
               <a:ext uri="{FF2B5EF4-FFF2-40B4-BE49-F238E27FC236}">
-                <a16:creationId xmlns="" xmlns:a16="http://schemas.microsoft.com/office/drawing/2014/main" id="{23BC138B-999F-46F7-B299-7F63A6F3DD1B}"/>
+                <a16:creationId xmlns:a16="http://schemas.microsoft.com/office/drawing/2014/main" id="{23BC138B-999F-46F7-B299-7F63A6F3DD1B}"/>
               </a:ext>
             </a:extLst>
           </p:cNvPr>
@@ -1267,7 +1267,7 @@
           <p:cNvPr id="3" name="내용 개체 틀 2">
             <a:extLst>
               <a:ext uri="{FF2B5EF4-FFF2-40B4-BE49-F238E27FC236}">
-                <a16:creationId xmlns="" xmlns:a16="http://schemas.microsoft.com/office/drawing/2014/main" id="{A5BDE9B3-6594-4D56-B509-3CB020DF9787}"/>
+                <a16:creationId xmlns:a16="http://schemas.microsoft.com/office/drawing/2014/main" id="{A5BDE9B3-6594-4D56-B509-3CB020DF9787}"/>
               </a:ext>
             </a:extLst>
           </p:cNvPr>
@@ -1329,7 +1329,7 @@
           <p:cNvPr id="4" name="내용 개체 틀 3">
             <a:extLst>
               <a:ext uri="{FF2B5EF4-FFF2-40B4-BE49-F238E27FC236}">
-                <a16:creationId xmlns="" xmlns:a16="http://schemas.microsoft.com/office/drawing/2014/main" id="{C73CCA75-04E6-4581-9917-F0EE4DC1B00D}"/>
+                <a16:creationId xmlns:a16="http://schemas.microsoft.com/office/drawing/2014/main" id="{C73CCA75-04E6-4581-9917-F0EE4DC1B00D}"/>
               </a:ext>
             </a:extLst>
           </p:cNvPr>
@@ -1391,7 +1391,7 @@
           <p:cNvPr id="5" name="날짜 개체 틀 4">
             <a:extLst>
               <a:ext uri="{FF2B5EF4-FFF2-40B4-BE49-F238E27FC236}">
-                <a16:creationId xmlns="" xmlns:a16="http://schemas.microsoft.com/office/drawing/2014/main" id="{9D547AD0-9D8A-42D0-8DF6-922C8C885FF6}"/>
+                <a16:creationId xmlns:a16="http://schemas.microsoft.com/office/drawing/2014/main" id="{9D547AD0-9D8A-42D0-8DF6-922C8C885FF6}"/>
               </a:ext>
             </a:extLst>
           </p:cNvPr>
@@ -1409,7 +1409,7 @@
           <a:p>
             <a:fld id="{B5095059-5FAE-4B3C-AD87-8046B5A98B15}" type="datetimeFigureOut">
               <a:rPr lang="ko-KR" altLang="en-US" smtClean="0"/>
-              <a:t>2020-06-09</a:t>
+              <a:t>2020-06-15</a:t>
             </a:fld>
             <a:endParaRPr lang="ko-KR" altLang="en-US"/>
           </a:p>
@@ -1420,7 +1420,7 @@
           <p:cNvPr id="6" name="바닥글 개체 틀 5">
             <a:extLst>
               <a:ext uri="{FF2B5EF4-FFF2-40B4-BE49-F238E27FC236}">
-                <a16:creationId xmlns="" xmlns:a16="http://schemas.microsoft.com/office/drawing/2014/main" id="{7F28CE59-78A7-4982-AAD7-D5F344D8D8C0}"/>
+                <a16:creationId xmlns:a16="http://schemas.microsoft.com/office/drawing/2014/main" id="{7F28CE59-78A7-4982-AAD7-D5F344D8D8C0}"/>
               </a:ext>
             </a:extLst>
           </p:cNvPr>
@@ -1445,7 +1445,7 @@
           <p:cNvPr id="7" name="슬라이드 번호 개체 틀 6">
             <a:extLst>
               <a:ext uri="{FF2B5EF4-FFF2-40B4-BE49-F238E27FC236}">
-                <a16:creationId xmlns="" xmlns:a16="http://schemas.microsoft.com/office/drawing/2014/main" id="{E121A87E-8C32-45E4-9CE9-030E92CCE35C}"/>
+                <a16:creationId xmlns:a16="http://schemas.microsoft.com/office/drawing/2014/main" id="{E121A87E-8C32-45E4-9CE9-030E92CCE35C}"/>
               </a:ext>
             </a:extLst>
           </p:cNvPr>
@@ -1504,7 +1504,7 @@
           <p:cNvPr id="2" name="제목 1">
             <a:extLst>
               <a:ext uri="{FF2B5EF4-FFF2-40B4-BE49-F238E27FC236}">
-                <a16:creationId xmlns="" xmlns:a16="http://schemas.microsoft.com/office/drawing/2014/main" id="{D442493E-7879-4A98-A131-44B868E74F81}"/>
+                <a16:creationId xmlns:a16="http://schemas.microsoft.com/office/drawing/2014/main" id="{D442493E-7879-4A98-A131-44B868E74F81}"/>
               </a:ext>
             </a:extLst>
           </p:cNvPr>
@@ -1537,7 +1537,7 @@
           <p:cNvPr id="3" name="텍스트 개체 틀 2">
             <a:extLst>
               <a:ext uri="{FF2B5EF4-FFF2-40B4-BE49-F238E27FC236}">
-                <a16:creationId xmlns="" xmlns:a16="http://schemas.microsoft.com/office/drawing/2014/main" id="{44343132-C75F-4D24-A4D0-F953B8869868}"/>
+                <a16:creationId xmlns:a16="http://schemas.microsoft.com/office/drawing/2014/main" id="{44343132-C75F-4D24-A4D0-F953B8869868}"/>
               </a:ext>
             </a:extLst>
           </p:cNvPr>
@@ -1608,7 +1608,7 @@
           <p:cNvPr id="4" name="내용 개체 틀 3">
             <a:extLst>
               <a:ext uri="{FF2B5EF4-FFF2-40B4-BE49-F238E27FC236}">
-                <a16:creationId xmlns="" xmlns:a16="http://schemas.microsoft.com/office/drawing/2014/main" id="{C2CE90B5-AA27-4695-808B-EBE162BC50EE}"/>
+                <a16:creationId xmlns:a16="http://schemas.microsoft.com/office/drawing/2014/main" id="{C2CE90B5-AA27-4695-808B-EBE162BC50EE}"/>
               </a:ext>
             </a:extLst>
           </p:cNvPr>
@@ -1670,7 +1670,7 @@
           <p:cNvPr id="5" name="텍스트 개체 틀 4">
             <a:extLst>
               <a:ext uri="{FF2B5EF4-FFF2-40B4-BE49-F238E27FC236}">
-                <a16:creationId xmlns="" xmlns:a16="http://schemas.microsoft.com/office/drawing/2014/main" id="{7595E2C4-A14A-4CD8-9245-8B25439D8AA8}"/>
+                <a16:creationId xmlns:a16="http://schemas.microsoft.com/office/drawing/2014/main" id="{7595E2C4-A14A-4CD8-9245-8B25439D8AA8}"/>
               </a:ext>
             </a:extLst>
           </p:cNvPr>
@@ -1741,7 +1741,7 @@
           <p:cNvPr id="6" name="내용 개체 틀 5">
             <a:extLst>
               <a:ext uri="{FF2B5EF4-FFF2-40B4-BE49-F238E27FC236}">
-                <a16:creationId xmlns="" xmlns:a16="http://schemas.microsoft.com/office/drawing/2014/main" id="{331B770B-8D08-4428-9E9F-FC7D38423AA9}"/>
+                <a16:creationId xmlns:a16="http://schemas.microsoft.com/office/drawing/2014/main" id="{331B770B-8D08-4428-9E9F-FC7D38423AA9}"/>
               </a:ext>
             </a:extLst>
           </p:cNvPr>
@@ -1803,7 +1803,7 @@
           <p:cNvPr id="7" name="날짜 개체 틀 6">
             <a:extLst>
               <a:ext uri="{FF2B5EF4-FFF2-40B4-BE49-F238E27FC236}">
-                <a16:creationId xmlns="" xmlns:a16="http://schemas.microsoft.com/office/drawing/2014/main" id="{ED185281-D894-4200-82DB-2B47BAABA59B}"/>
+                <a16:creationId xmlns:a16="http://schemas.microsoft.com/office/drawing/2014/main" id="{ED185281-D894-4200-82DB-2B47BAABA59B}"/>
               </a:ext>
             </a:extLst>
           </p:cNvPr>
@@ -1821,7 +1821,7 @@
           <a:p>
             <a:fld id="{B5095059-5FAE-4B3C-AD87-8046B5A98B15}" type="datetimeFigureOut">
               <a:rPr lang="ko-KR" altLang="en-US" smtClean="0"/>
-              <a:t>2020-06-09</a:t>
+              <a:t>2020-06-15</a:t>
             </a:fld>
             <a:endParaRPr lang="ko-KR" altLang="en-US"/>
           </a:p>
@@ -1832,7 +1832,7 @@
           <p:cNvPr id="8" name="바닥글 개체 틀 7">
             <a:extLst>
               <a:ext uri="{FF2B5EF4-FFF2-40B4-BE49-F238E27FC236}">
-                <a16:creationId xmlns="" xmlns:a16="http://schemas.microsoft.com/office/drawing/2014/main" id="{BE0FBFB5-5DFE-4AB4-B7C7-C1E454FB28D8}"/>
+                <a16:creationId xmlns:a16="http://schemas.microsoft.com/office/drawing/2014/main" id="{BE0FBFB5-5DFE-4AB4-B7C7-C1E454FB28D8}"/>
               </a:ext>
             </a:extLst>
           </p:cNvPr>
@@ -1857,7 +1857,7 @@
           <p:cNvPr id="9" name="슬라이드 번호 개체 틀 8">
             <a:extLst>
               <a:ext uri="{FF2B5EF4-FFF2-40B4-BE49-F238E27FC236}">
-                <a16:creationId xmlns="" xmlns:a16="http://schemas.microsoft.com/office/drawing/2014/main" id="{A4464CE8-A5AF-4CAB-95F0-BAEBA595D929}"/>
+                <a16:creationId xmlns:a16="http://schemas.microsoft.com/office/drawing/2014/main" id="{A4464CE8-A5AF-4CAB-95F0-BAEBA595D929}"/>
               </a:ext>
             </a:extLst>
           </p:cNvPr>
@@ -1916,7 +1916,7 @@
           <p:cNvPr id="2" name="제목 1">
             <a:extLst>
               <a:ext uri="{FF2B5EF4-FFF2-40B4-BE49-F238E27FC236}">
-                <a16:creationId xmlns="" xmlns:a16="http://schemas.microsoft.com/office/drawing/2014/main" id="{C736B97F-DCF1-4890-B6E7-261B82E58920}"/>
+                <a16:creationId xmlns:a16="http://schemas.microsoft.com/office/drawing/2014/main" id="{C736B97F-DCF1-4890-B6E7-261B82E58920}"/>
               </a:ext>
             </a:extLst>
           </p:cNvPr>
@@ -1944,7 +1944,7 @@
           <p:cNvPr id="3" name="날짜 개체 틀 2">
             <a:extLst>
               <a:ext uri="{FF2B5EF4-FFF2-40B4-BE49-F238E27FC236}">
-                <a16:creationId xmlns="" xmlns:a16="http://schemas.microsoft.com/office/drawing/2014/main" id="{622E33FB-AC6D-488E-9156-EDF2844853C7}"/>
+                <a16:creationId xmlns:a16="http://schemas.microsoft.com/office/drawing/2014/main" id="{622E33FB-AC6D-488E-9156-EDF2844853C7}"/>
               </a:ext>
             </a:extLst>
           </p:cNvPr>
@@ -1962,7 +1962,7 @@
           <a:p>
             <a:fld id="{B5095059-5FAE-4B3C-AD87-8046B5A98B15}" type="datetimeFigureOut">
               <a:rPr lang="ko-KR" altLang="en-US" smtClean="0"/>
-              <a:t>2020-06-09</a:t>
+              <a:t>2020-06-15</a:t>
             </a:fld>
             <a:endParaRPr lang="ko-KR" altLang="en-US"/>
           </a:p>
@@ -1973,7 +1973,7 @@
           <p:cNvPr id="4" name="바닥글 개체 틀 3">
             <a:extLst>
               <a:ext uri="{FF2B5EF4-FFF2-40B4-BE49-F238E27FC236}">
-                <a16:creationId xmlns="" xmlns:a16="http://schemas.microsoft.com/office/drawing/2014/main" id="{43410927-2B09-4788-B029-247E86918A9E}"/>
+                <a16:creationId xmlns:a16="http://schemas.microsoft.com/office/drawing/2014/main" id="{43410927-2B09-4788-B029-247E86918A9E}"/>
               </a:ext>
             </a:extLst>
           </p:cNvPr>
@@ -1998,7 +1998,7 @@
           <p:cNvPr id="5" name="슬라이드 번호 개체 틀 4">
             <a:extLst>
               <a:ext uri="{FF2B5EF4-FFF2-40B4-BE49-F238E27FC236}">
-                <a16:creationId xmlns="" xmlns:a16="http://schemas.microsoft.com/office/drawing/2014/main" id="{34EE2BF5-1190-494F-8DAA-C39532F6C62F}"/>
+                <a16:creationId xmlns:a16="http://schemas.microsoft.com/office/drawing/2014/main" id="{34EE2BF5-1190-494F-8DAA-C39532F6C62F}"/>
               </a:ext>
             </a:extLst>
           </p:cNvPr>
@@ -2057,7 +2057,7 @@
           <p:cNvPr id="2" name="날짜 개체 틀 1">
             <a:extLst>
               <a:ext uri="{FF2B5EF4-FFF2-40B4-BE49-F238E27FC236}">
-                <a16:creationId xmlns="" xmlns:a16="http://schemas.microsoft.com/office/drawing/2014/main" id="{2E7F7F64-4391-4A1C-9179-02396F83CC4D}"/>
+                <a16:creationId xmlns:a16="http://schemas.microsoft.com/office/drawing/2014/main" id="{2E7F7F64-4391-4A1C-9179-02396F83CC4D}"/>
               </a:ext>
             </a:extLst>
           </p:cNvPr>
@@ -2075,7 +2075,7 @@
           <a:p>
             <a:fld id="{B5095059-5FAE-4B3C-AD87-8046B5A98B15}" type="datetimeFigureOut">
               <a:rPr lang="ko-KR" altLang="en-US" smtClean="0"/>
-              <a:t>2020-06-09</a:t>
+              <a:t>2020-06-15</a:t>
             </a:fld>
             <a:endParaRPr lang="ko-KR" altLang="en-US"/>
           </a:p>
@@ -2086,7 +2086,7 @@
           <p:cNvPr id="3" name="바닥글 개체 틀 2">
             <a:extLst>
               <a:ext uri="{FF2B5EF4-FFF2-40B4-BE49-F238E27FC236}">
-                <a16:creationId xmlns="" xmlns:a16="http://schemas.microsoft.com/office/drawing/2014/main" id="{D5FC62F4-73E5-4F22-85ED-5771095644CD}"/>
+                <a16:creationId xmlns:a16="http://schemas.microsoft.com/office/drawing/2014/main" id="{D5FC62F4-73E5-4F22-85ED-5771095644CD}"/>
               </a:ext>
             </a:extLst>
           </p:cNvPr>
@@ -2111,7 +2111,7 @@
           <p:cNvPr id="4" name="슬라이드 번호 개체 틀 3">
             <a:extLst>
               <a:ext uri="{FF2B5EF4-FFF2-40B4-BE49-F238E27FC236}">
-                <a16:creationId xmlns="" xmlns:a16="http://schemas.microsoft.com/office/drawing/2014/main" id="{392CD7B3-AA69-446A-812C-6C97AADD98A1}"/>
+                <a16:creationId xmlns:a16="http://schemas.microsoft.com/office/drawing/2014/main" id="{392CD7B3-AA69-446A-812C-6C97AADD98A1}"/>
               </a:ext>
             </a:extLst>
           </p:cNvPr>
@@ -2170,7 +2170,7 @@
           <p:cNvPr id="2" name="제목 1">
             <a:extLst>
               <a:ext uri="{FF2B5EF4-FFF2-40B4-BE49-F238E27FC236}">
-                <a16:creationId xmlns="" xmlns:a16="http://schemas.microsoft.com/office/drawing/2014/main" id="{5D22180F-19D9-4A7B-8057-21E22FF60AA1}"/>
+                <a16:creationId xmlns:a16="http://schemas.microsoft.com/office/drawing/2014/main" id="{5D22180F-19D9-4A7B-8057-21E22FF60AA1}"/>
               </a:ext>
             </a:extLst>
           </p:cNvPr>
@@ -2207,7 +2207,7 @@
           <p:cNvPr id="3" name="내용 개체 틀 2">
             <a:extLst>
               <a:ext uri="{FF2B5EF4-FFF2-40B4-BE49-F238E27FC236}">
-                <a16:creationId xmlns="" xmlns:a16="http://schemas.microsoft.com/office/drawing/2014/main" id="{BCBD48FD-754D-465E-BFB8-608374F2DBA9}"/>
+                <a16:creationId xmlns:a16="http://schemas.microsoft.com/office/drawing/2014/main" id="{BCBD48FD-754D-465E-BFB8-608374F2DBA9}"/>
               </a:ext>
             </a:extLst>
           </p:cNvPr>
@@ -2297,7 +2297,7 @@
           <p:cNvPr id="4" name="텍스트 개체 틀 3">
             <a:extLst>
               <a:ext uri="{FF2B5EF4-FFF2-40B4-BE49-F238E27FC236}">
-                <a16:creationId xmlns="" xmlns:a16="http://schemas.microsoft.com/office/drawing/2014/main" id="{24184F84-1085-45DB-B6DB-466231C0C689}"/>
+                <a16:creationId xmlns:a16="http://schemas.microsoft.com/office/drawing/2014/main" id="{24184F84-1085-45DB-B6DB-466231C0C689}"/>
               </a:ext>
             </a:extLst>
           </p:cNvPr>
@@ -2368,7 +2368,7 @@
           <p:cNvPr id="5" name="날짜 개체 틀 4">
             <a:extLst>
               <a:ext uri="{FF2B5EF4-FFF2-40B4-BE49-F238E27FC236}">
-                <a16:creationId xmlns="" xmlns:a16="http://schemas.microsoft.com/office/drawing/2014/main" id="{8F699E1F-BD5F-43CB-A694-AA491DF88ED3}"/>
+                <a16:creationId xmlns:a16="http://schemas.microsoft.com/office/drawing/2014/main" id="{8F699E1F-BD5F-43CB-A694-AA491DF88ED3}"/>
               </a:ext>
             </a:extLst>
           </p:cNvPr>
@@ -2386,7 +2386,7 @@
           <a:p>
             <a:fld id="{B5095059-5FAE-4B3C-AD87-8046B5A98B15}" type="datetimeFigureOut">
               <a:rPr lang="ko-KR" altLang="en-US" smtClean="0"/>
-              <a:t>2020-06-09</a:t>
+              <a:t>2020-06-15</a:t>
             </a:fld>
             <a:endParaRPr lang="ko-KR" altLang="en-US"/>
           </a:p>
@@ -2397,7 +2397,7 @@
           <p:cNvPr id="6" name="바닥글 개체 틀 5">
             <a:extLst>
               <a:ext uri="{FF2B5EF4-FFF2-40B4-BE49-F238E27FC236}">
-                <a16:creationId xmlns="" xmlns:a16="http://schemas.microsoft.com/office/drawing/2014/main" id="{83A72BF2-B5F4-4C06-B326-B82450A6949F}"/>
+                <a16:creationId xmlns:a16="http://schemas.microsoft.com/office/drawing/2014/main" id="{83A72BF2-B5F4-4C06-B326-B82450A6949F}"/>
               </a:ext>
             </a:extLst>
           </p:cNvPr>
@@ -2422,7 +2422,7 @@
           <p:cNvPr id="7" name="슬라이드 번호 개체 틀 6">
             <a:extLst>
               <a:ext uri="{FF2B5EF4-FFF2-40B4-BE49-F238E27FC236}">
-                <a16:creationId xmlns="" xmlns:a16="http://schemas.microsoft.com/office/drawing/2014/main" id="{E1594508-F3DF-4921-A838-814D1353CA95}"/>
+                <a16:creationId xmlns:a16="http://schemas.microsoft.com/office/drawing/2014/main" id="{E1594508-F3DF-4921-A838-814D1353CA95}"/>
               </a:ext>
             </a:extLst>
           </p:cNvPr>
@@ -2481,7 +2481,7 @@
           <p:cNvPr id="2" name="제목 1">
             <a:extLst>
               <a:ext uri="{FF2B5EF4-FFF2-40B4-BE49-F238E27FC236}">
-                <a16:creationId xmlns="" xmlns:a16="http://schemas.microsoft.com/office/drawing/2014/main" id="{82DC3B09-847D-4CCB-A807-7729155C7E55}"/>
+                <a16:creationId xmlns:a16="http://schemas.microsoft.com/office/drawing/2014/main" id="{82DC3B09-847D-4CCB-A807-7729155C7E55}"/>
               </a:ext>
             </a:extLst>
           </p:cNvPr>
@@ -2518,7 +2518,7 @@
           <p:cNvPr id="3" name="그림 개체 틀 2">
             <a:extLst>
               <a:ext uri="{FF2B5EF4-FFF2-40B4-BE49-F238E27FC236}">
-                <a16:creationId xmlns="" xmlns:a16="http://schemas.microsoft.com/office/drawing/2014/main" id="{080A655B-A56D-44DE-A49A-0B5C46881AEE}"/>
+                <a16:creationId xmlns:a16="http://schemas.microsoft.com/office/drawing/2014/main" id="{080A655B-A56D-44DE-A49A-0B5C46881AEE}"/>
               </a:ext>
             </a:extLst>
           </p:cNvPr>
@@ -2585,7 +2585,7 @@
           <p:cNvPr id="4" name="텍스트 개체 틀 3">
             <a:extLst>
               <a:ext uri="{FF2B5EF4-FFF2-40B4-BE49-F238E27FC236}">
-                <a16:creationId xmlns="" xmlns:a16="http://schemas.microsoft.com/office/drawing/2014/main" id="{E6E3385F-1A0A-4624-9CCD-5C347603A8DB}"/>
+                <a16:creationId xmlns:a16="http://schemas.microsoft.com/office/drawing/2014/main" id="{E6E3385F-1A0A-4624-9CCD-5C347603A8DB}"/>
               </a:ext>
             </a:extLst>
           </p:cNvPr>
@@ -2656,7 +2656,7 @@
           <p:cNvPr id="5" name="날짜 개체 틀 4">
             <a:extLst>
               <a:ext uri="{FF2B5EF4-FFF2-40B4-BE49-F238E27FC236}">
-                <a16:creationId xmlns="" xmlns:a16="http://schemas.microsoft.com/office/drawing/2014/main" id="{841A78B4-D58D-40D7-B313-347B5B26D887}"/>
+                <a16:creationId xmlns:a16="http://schemas.microsoft.com/office/drawing/2014/main" id="{841A78B4-D58D-40D7-B313-347B5B26D887}"/>
               </a:ext>
             </a:extLst>
           </p:cNvPr>
@@ -2674,7 +2674,7 @@
           <a:p>
             <a:fld id="{B5095059-5FAE-4B3C-AD87-8046B5A98B15}" type="datetimeFigureOut">
               <a:rPr lang="ko-KR" altLang="en-US" smtClean="0"/>
-              <a:t>2020-06-09</a:t>
+              <a:t>2020-06-15</a:t>
             </a:fld>
             <a:endParaRPr lang="ko-KR" altLang="en-US"/>
           </a:p>
@@ -2685,7 +2685,7 @@
           <p:cNvPr id="6" name="바닥글 개체 틀 5">
             <a:extLst>
               <a:ext uri="{FF2B5EF4-FFF2-40B4-BE49-F238E27FC236}">
-                <a16:creationId xmlns="" xmlns:a16="http://schemas.microsoft.com/office/drawing/2014/main" id="{6977C87C-24DD-471B-B1F8-083E16CD725F}"/>
+                <a16:creationId xmlns:a16="http://schemas.microsoft.com/office/drawing/2014/main" id="{6977C87C-24DD-471B-B1F8-083E16CD725F}"/>
               </a:ext>
             </a:extLst>
           </p:cNvPr>
@@ -2710,7 +2710,7 @@
           <p:cNvPr id="7" name="슬라이드 번호 개체 틀 6">
             <a:extLst>
               <a:ext uri="{FF2B5EF4-FFF2-40B4-BE49-F238E27FC236}">
-                <a16:creationId xmlns="" xmlns:a16="http://schemas.microsoft.com/office/drawing/2014/main" id="{F99FBD66-3597-4D58-9B16-F09F36220CD0}"/>
+                <a16:creationId xmlns:a16="http://schemas.microsoft.com/office/drawing/2014/main" id="{F99FBD66-3597-4D58-9B16-F09F36220CD0}"/>
               </a:ext>
             </a:extLst>
           </p:cNvPr>
@@ -2774,7 +2774,7 @@
           <p:cNvPr id="2" name="제목 개체 틀 1">
             <a:extLst>
               <a:ext uri="{FF2B5EF4-FFF2-40B4-BE49-F238E27FC236}">
-                <a16:creationId xmlns="" xmlns:a16="http://schemas.microsoft.com/office/drawing/2014/main" id="{42B7CE58-2BFD-4A31-8CA6-45A07B9DF530}"/>
+                <a16:creationId xmlns:a16="http://schemas.microsoft.com/office/drawing/2014/main" id="{42B7CE58-2BFD-4A31-8CA6-45A07B9DF530}"/>
               </a:ext>
             </a:extLst>
           </p:cNvPr>
@@ -2812,7 +2812,7 @@
           <p:cNvPr id="3" name="텍스트 개체 틀 2">
             <a:extLst>
               <a:ext uri="{FF2B5EF4-FFF2-40B4-BE49-F238E27FC236}">
-                <a16:creationId xmlns="" xmlns:a16="http://schemas.microsoft.com/office/drawing/2014/main" id="{8A5055CF-2720-4974-8613-97CB45771F72}"/>
+                <a16:creationId xmlns:a16="http://schemas.microsoft.com/office/drawing/2014/main" id="{8A5055CF-2720-4974-8613-97CB45771F72}"/>
               </a:ext>
             </a:extLst>
           </p:cNvPr>
@@ -2879,7 +2879,7 @@
           <p:cNvPr id="4" name="날짜 개체 틀 3">
             <a:extLst>
               <a:ext uri="{FF2B5EF4-FFF2-40B4-BE49-F238E27FC236}">
-                <a16:creationId xmlns="" xmlns:a16="http://schemas.microsoft.com/office/drawing/2014/main" id="{F8160934-DA58-4F94-8948-715F6F10408D}"/>
+                <a16:creationId xmlns:a16="http://schemas.microsoft.com/office/drawing/2014/main" id="{F8160934-DA58-4F94-8948-715F6F10408D}"/>
               </a:ext>
             </a:extLst>
           </p:cNvPr>
@@ -2915,7 +2915,7 @@
           <a:p>
             <a:fld id="{B5095059-5FAE-4B3C-AD87-8046B5A98B15}" type="datetimeFigureOut">
               <a:rPr lang="ko-KR" altLang="en-US" smtClean="0"/>
-              <a:t>2020-06-09</a:t>
+              <a:t>2020-06-15</a:t>
             </a:fld>
             <a:endParaRPr lang="ko-KR" altLang="en-US"/>
           </a:p>
@@ -2926,7 +2926,7 @@
           <p:cNvPr id="5" name="바닥글 개체 틀 4">
             <a:extLst>
               <a:ext uri="{FF2B5EF4-FFF2-40B4-BE49-F238E27FC236}">
-                <a16:creationId xmlns="" xmlns:a16="http://schemas.microsoft.com/office/drawing/2014/main" id="{3F6194CB-1ED4-45CB-8634-490BC83DA3AD}"/>
+                <a16:creationId xmlns:a16="http://schemas.microsoft.com/office/drawing/2014/main" id="{3F6194CB-1ED4-45CB-8634-490BC83DA3AD}"/>
               </a:ext>
             </a:extLst>
           </p:cNvPr>
@@ -2969,7 +2969,7 @@
           <p:cNvPr id="6" name="슬라이드 번호 개체 틀 5">
             <a:extLst>
               <a:ext uri="{FF2B5EF4-FFF2-40B4-BE49-F238E27FC236}">
-                <a16:creationId xmlns="" xmlns:a16="http://schemas.microsoft.com/office/drawing/2014/main" id="{46B7F1AC-1F2B-4C7F-9311-E3CBC3E4C6EA}"/>
+                <a16:creationId xmlns:a16="http://schemas.microsoft.com/office/drawing/2014/main" id="{46B7F1AC-1F2B-4C7F-9311-E3CBC3E4C6EA}"/>
               </a:ext>
             </a:extLst>
           </p:cNvPr>
@@ -3337,7 +3337,7 @@
           <p:cNvPr id="9" name="TextBox 8">
             <a:extLst>
               <a:ext uri="{FF2B5EF4-FFF2-40B4-BE49-F238E27FC236}">
-                <a16:creationId xmlns="" xmlns:a16="http://schemas.microsoft.com/office/drawing/2014/main" id="{D3947105-6879-445D-B76B-D5EFC8256F29}"/>
+                <a16:creationId xmlns:a16="http://schemas.microsoft.com/office/drawing/2014/main" id="{D3947105-6879-445D-B76B-D5EFC8256F29}"/>
               </a:ext>
             </a:extLst>
           </p:cNvPr>
@@ -3375,13 +3375,6 @@
               </a:rPr>
               <a:t>스크립트 언어</a:t>
             </a:r>
-            <a:r>
-              <a:rPr lang="en-US" altLang="ko-KR" sz="3200" dirty="0">
-                <a:latin typeface="08서울남산체 M" panose="02020603020101020101" pitchFamily="18" charset="-127"/>
-                <a:ea typeface="08서울남산체 M" panose="02020603020101020101" pitchFamily="18" charset="-127"/>
-              </a:rPr>
-              <a:t/>
-            </a:r>
             <a:br>
               <a:rPr lang="en-US" altLang="ko-KR" sz="3200" dirty="0">
                 <a:latin typeface="08서울남산체 M" panose="02020603020101020101" pitchFamily="18" charset="-127"/>
@@ -3389,18 +3382,11 @@
               </a:rPr>
             </a:br>
             <a:r>
-              <a:rPr lang="ko-KR" altLang="en-US" sz="3200" dirty="0" smtClean="0">
-                <a:latin typeface="08서울남산체 M" panose="02020603020101020101" pitchFamily="18" charset="-127"/>
-                <a:ea typeface="08서울남산체 M" panose="02020603020101020101" pitchFamily="18" charset="-127"/>
-              </a:rPr>
-              <a:t>중간 </a:t>
-            </a:r>
-            <a:r>
               <a:rPr lang="ko-KR" altLang="en-US" sz="3200" dirty="0">
                 <a:latin typeface="08서울남산체 M" panose="02020603020101020101" pitchFamily="18" charset="-127"/>
                 <a:ea typeface="08서울남산체 M" panose="02020603020101020101" pitchFamily="18" charset="-127"/>
               </a:rPr>
-              <a:t>발표</a:t>
+              <a:t>중간 발표</a:t>
             </a:r>
             <a:endParaRPr lang="ko-KR" altLang="en-US" sz="3000" dirty="0">
               <a:ln>
@@ -3421,7 +3407,7 @@
           <p:cNvPr id="13" name="TextBox 12">
             <a:extLst>
               <a:ext uri="{FF2B5EF4-FFF2-40B4-BE49-F238E27FC236}">
-                <a16:creationId xmlns="" xmlns:a16="http://schemas.microsoft.com/office/drawing/2014/main" id="{01E316FB-EDEF-4544-BEAA-916AA4BA21A0}"/>
+                <a16:creationId xmlns:a16="http://schemas.microsoft.com/office/drawing/2014/main" id="{01E316FB-EDEF-4544-BEAA-916AA4BA21A0}"/>
               </a:ext>
             </a:extLst>
           </p:cNvPr>
@@ -3488,7 +3474,7 @@
           <p:cNvPr id="14" name="TextBox 13">
             <a:extLst>
               <a:ext uri="{FF2B5EF4-FFF2-40B4-BE49-F238E27FC236}">
-                <a16:creationId xmlns="" xmlns:a16="http://schemas.microsoft.com/office/drawing/2014/main" id="{7A9521EC-3235-494C-93F6-585BC9C3B43E}"/>
+                <a16:creationId xmlns:a16="http://schemas.microsoft.com/office/drawing/2014/main" id="{7A9521EC-3235-494C-93F6-585BC9C3B43E}"/>
               </a:ext>
             </a:extLst>
           </p:cNvPr>
@@ -3533,7 +3519,7 @@
           <p:cNvPr id="25" name="그룹 24">
             <a:extLst>
               <a:ext uri="{FF2B5EF4-FFF2-40B4-BE49-F238E27FC236}">
-                <a16:creationId xmlns="" xmlns:a16="http://schemas.microsoft.com/office/drawing/2014/main" id="{1D2D99A6-C3A5-455C-8184-43DACE6D4904}"/>
+                <a16:creationId xmlns:a16="http://schemas.microsoft.com/office/drawing/2014/main" id="{1D2D99A6-C3A5-455C-8184-43DACE6D4904}"/>
               </a:ext>
             </a:extLst>
           </p:cNvPr>
@@ -3553,7 +3539,7 @@
             <p:cNvPr id="5" name="직선 연결선 4">
               <a:extLst>
                 <a:ext uri="{FF2B5EF4-FFF2-40B4-BE49-F238E27FC236}">
-                  <a16:creationId xmlns="" xmlns:a16="http://schemas.microsoft.com/office/drawing/2014/main" id="{F3920279-48F9-42E9-8322-AE444CC499BF}"/>
+                  <a16:creationId xmlns:a16="http://schemas.microsoft.com/office/drawing/2014/main" id="{F3920279-48F9-42E9-8322-AE444CC499BF}"/>
                 </a:ext>
               </a:extLst>
             </p:cNvPr>
@@ -3602,7 +3588,7 @@
             <p:cNvPr id="7" name="직사각형 6">
               <a:extLst>
                 <a:ext uri="{FF2B5EF4-FFF2-40B4-BE49-F238E27FC236}">
-                  <a16:creationId xmlns="" xmlns:a16="http://schemas.microsoft.com/office/drawing/2014/main" id="{54FF5575-BD81-49D6-BF4F-81749C4C22BA}"/>
+                  <a16:creationId xmlns:a16="http://schemas.microsoft.com/office/drawing/2014/main" id="{54FF5575-BD81-49D6-BF4F-81749C4C22BA}"/>
                 </a:ext>
               </a:extLst>
             </p:cNvPr>
@@ -3656,7 +3642,7 @@
             <p:cNvPr id="23" name="직사각형 22">
               <a:extLst>
                 <a:ext uri="{FF2B5EF4-FFF2-40B4-BE49-F238E27FC236}">
-                  <a16:creationId xmlns="" xmlns:a16="http://schemas.microsoft.com/office/drawing/2014/main" id="{036B305E-0F6B-4B99-882A-37313EC9E4AE}"/>
+                  <a16:creationId xmlns:a16="http://schemas.microsoft.com/office/drawing/2014/main" id="{036B305E-0F6B-4B99-882A-37313EC9E4AE}"/>
                 </a:ext>
               </a:extLst>
             </p:cNvPr>
@@ -3741,7 +3727,7 @@
           <p:cNvPr id="6" name="그룹 5">
             <a:extLst>
               <a:ext uri="{FF2B5EF4-FFF2-40B4-BE49-F238E27FC236}">
-                <a16:creationId xmlns="" xmlns:a16="http://schemas.microsoft.com/office/drawing/2014/main" id="{CA7BD838-D4FB-4EA7-B68C-FA7B6D147BA2}"/>
+                <a16:creationId xmlns:a16="http://schemas.microsoft.com/office/drawing/2014/main" id="{CA7BD838-D4FB-4EA7-B68C-FA7B6D147BA2}"/>
               </a:ext>
             </a:extLst>
           </p:cNvPr>
@@ -3761,7 +3747,7 @@
             <p:cNvPr id="18" name="TextBox 17">
               <a:extLst>
                 <a:ext uri="{FF2B5EF4-FFF2-40B4-BE49-F238E27FC236}">
-                  <a16:creationId xmlns="" xmlns:a16="http://schemas.microsoft.com/office/drawing/2014/main" id="{D7B7EE40-BAD9-4569-9BF6-F6E9ACA78A3C}"/>
+                  <a16:creationId xmlns:a16="http://schemas.microsoft.com/office/drawing/2014/main" id="{D7B7EE40-BAD9-4569-9BF6-F6E9ACA78A3C}"/>
                 </a:ext>
               </a:extLst>
             </p:cNvPr>
@@ -3807,7 +3793,7 @@
             <p:cNvPr id="5" name="직사각형 4">
               <a:extLst>
                 <a:ext uri="{FF2B5EF4-FFF2-40B4-BE49-F238E27FC236}">
-                  <a16:creationId xmlns="" xmlns:a16="http://schemas.microsoft.com/office/drawing/2014/main" id="{AB4C8245-D0E4-4D79-B3E9-2FB89CE6FE84}"/>
+                  <a16:creationId xmlns:a16="http://schemas.microsoft.com/office/drawing/2014/main" id="{AB4C8245-D0E4-4D79-B3E9-2FB89CE6FE84}"/>
                 </a:ext>
               </a:extLst>
             </p:cNvPr>
@@ -3860,7 +3846,7 @@
           <p:cNvPr id="30" name="TextBox 29">
             <a:extLst>
               <a:ext uri="{FF2B5EF4-FFF2-40B4-BE49-F238E27FC236}">
-                <a16:creationId xmlns="" xmlns:a16="http://schemas.microsoft.com/office/drawing/2014/main" id="{706566D1-60CB-4C10-9859-0656D082B2B7}"/>
+                <a16:creationId xmlns:a16="http://schemas.microsoft.com/office/drawing/2014/main" id="{706566D1-60CB-4C10-9859-0656D082B2B7}"/>
               </a:ext>
             </a:extLst>
           </p:cNvPr>
@@ -3908,7 +3894,7 @@
           <p:cNvPr id="2" name="TextBox 1">
             <a:extLst>
               <a:ext uri="{FF2B5EF4-FFF2-40B4-BE49-F238E27FC236}">
-                <a16:creationId xmlns="" xmlns:a16="http://schemas.microsoft.com/office/drawing/2014/main" id="{CA05B879-0CC5-4CEA-8718-E1C864129265}"/>
+                <a16:creationId xmlns:a16="http://schemas.microsoft.com/office/drawing/2014/main" id="{CA05B879-0CC5-4CEA-8718-E1C864129265}"/>
               </a:ext>
             </a:extLst>
           </p:cNvPr>
@@ -3980,7 +3966,7 @@
           <p:cNvPr id="13" name="그림 12" descr="실루엣이(가) 표시된 사진&#10;&#10;자동 생성된 설명">
             <a:extLst>
               <a:ext uri="{FF2B5EF4-FFF2-40B4-BE49-F238E27FC236}">
-                <a16:creationId xmlns="" xmlns:a16="http://schemas.microsoft.com/office/drawing/2014/main" id="{155A4D36-3B2D-4B0E-80E2-804FBA1C3413}"/>
+                <a16:creationId xmlns:a16="http://schemas.microsoft.com/office/drawing/2014/main" id="{155A4D36-3B2D-4B0E-80E2-804FBA1C3413}"/>
               </a:ext>
             </a:extLst>
           </p:cNvPr>
@@ -4046,7 +4032,7 @@
           <p:cNvPr id="6" name="그룹 5">
             <a:extLst>
               <a:ext uri="{FF2B5EF4-FFF2-40B4-BE49-F238E27FC236}">
-                <a16:creationId xmlns="" xmlns:a16="http://schemas.microsoft.com/office/drawing/2014/main" id="{CA7BD838-D4FB-4EA7-B68C-FA7B6D147BA2}"/>
+                <a16:creationId xmlns:a16="http://schemas.microsoft.com/office/drawing/2014/main" id="{CA7BD838-D4FB-4EA7-B68C-FA7B6D147BA2}"/>
               </a:ext>
             </a:extLst>
           </p:cNvPr>
@@ -4066,7 +4052,7 @@
             <p:cNvPr id="18" name="TextBox 17">
               <a:extLst>
                 <a:ext uri="{FF2B5EF4-FFF2-40B4-BE49-F238E27FC236}">
-                  <a16:creationId xmlns="" xmlns:a16="http://schemas.microsoft.com/office/drawing/2014/main" id="{D7B7EE40-BAD9-4569-9BF6-F6E9ACA78A3C}"/>
+                  <a16:creationId xmlns:a16="http://schemas.microsoft.com/office/drawing/2014/main" id="{D7B7EE40-BAD9-4569-9BF6-F6E9ACA78A3C}"/>
                 </a:ext>
               </a:extLst>
             </p:cNvPr>
@@ -4112,7 +4098,7 @@
             <p:cNvPr id="5" name="직사각형 4">
               <a:extLst>
                 <a:ext uri="{FF2B5EF4-FFF2-40B4-BE49-F238E27FC236}">
-                  <a16:creationId xmlns="" xmlns:a16="http://schemas.microsoft.com/office/drawing/2014/main" id="{AB4C8245-D0E4-4D79-B3E9-2FB89CE6FE84}"/>
+                  <a16:creationId xmlns:a16="http://schemas.microsoft.com/office/drawing/2014/main" id="{AB4C8245-D0E4-4D79-B3E9-2FB89CE6FE84}"/>
                 </a:ext>
               </a:extLst>
             </p:cNvPr>
@@ -4165,7 +4151,7 @@
           <p:cNvPr id="24" name="TextBox 23">
             <a:extLst>
               <a:ext uri="{FF2B5EF4-FFF2-40B4-BE49-F238E27FC236}">
-                <a16:creationId xmlns="" xmlns:a16="http://schemas.microsoft.com/office/drawing/2014/main" id="{0684A2FA-4AC3-4FE4-80C2-E8C243F45F1D}"/>
+                <a16:creationId xmlns:a16="http://schemas.microsoft.com/office/drawing/2014/main" id="{0684A2FA-4AC3-4FE4-80C2-E8C243F45F1D}"/>
               </a:ext>
             </a:extLst>
           </p:cNvPr>
@@ -4231,35 +4217,7 @@
                 <a:latin typeface="KoPub돋움체 Light" panose="02020603020101020101" pitchFamily="18" charset="-127"/>
                 <a:ea typeface="KoPub돋움체 Light" panose="02020603020101020101" pitchFamily="18" charset="-127"/>
               </a:rPr>
-              <a:t>와 </a:t>
-            </a:r>
-            <a:r>
-              <a:rPr lang="ko-KR" altLang="en-US" dirty="0" smtClean="0">
-                <a:ln>
-                  <a:solidFill>
-                    <a:schemeClr val="tx1">
-                      <a:alpha val="30000"/>
-                    </a:schemeClr>
-                  </a:solidFill>
-                </a:ln>
-                <a:latin typeface="KoPub돋움체 Light" panose="02020603020101020101" pitchFamily="18" charset="-127"/>
-                <a:ea typeface="KoPub돋움체 Light" panose="02020603020101020101" pitchFamily="18" charset="-127"/>
-              </a:rPr>
-              <a:t>경기도 </a:t>
-            </a:r>
-            <a:r>
-              <a:rPr lang="ko-KR" altLang="en-US" dirty="0">
-                <a:ln>
-                  <a:solidFill>
-                    <a:schemeClr val="tx1">
-                      <a:alpha val="30000"/>
-                    </a:schemeClr>
-                  </a:solidFill>
-                </a:ln>
-                <a:latin typeface="KoPub돋움체 Light" panose="02020603020101020101" pitchFamily="18" charset="-127"/>
-                <a:ea typeface="KoPub돋움체 Light" panose="02020603020101020101" pitchFamily="18" charset="-127"/>
-              </a:rPr>
-              <a:t>도서관 표준 데이터</a:t>
+              <a:t>와 경기도 도서관 표준 데이터</a:t>
             </a:r>
           </a:p>
         </p:txBody>
@@ -4269,7 +4227,7 @@
           <p:cNvPr id="10" name="그림 9">
             <a:extLst>
               <a:ext uri="{FF2B5EF4-FFF2-40B4-BE49-F238E27FC236}">
-                <a16:creationId xmlns="" xmlns:a16="http://schemas.microsoft.com/office/drawing/2014/main" id="{EB6BC429-BE91-4A47-8B92-14AC0B584370}"/>
+                <a16:creationId xmlns:a16="http://schemas.microsoft.com/office/drawing/2014/main" id="{EB6BC429-BE91-4A47-8B92-14AC0B584370}"/>
               </a:ext>
             </a:extLst>
           </p:cNvPr>
@@ -4383,7 +4341,7 @@
           <p:cNvPr id="6" name="그룹 5">
             <a:extLst>
               <a:ext uri="{FF2B5EF4-FFF2-40B4-BE49-F238E27FC236}">
-                <a16:creationId xmlns="" xmlns:a16="http://schemas.microsoft.com/office/drawing/2014/main" id="{CA7BD838-D4FB-4EA7-B68C-FA7B6D147BA2}"/>
+                <a16:creationId xmlns:a16="http://schemas.microsoft.com/office/drawing/2014/main" id="{CA7BD838-D4FB-4EA7-B68C-FA7B6D147BA2}"/>
               </a:ext>
             </a:extLst>
           </p:cNvPr>
@@ -4403,7 +4361,7 @@
             <p:cNvPr id="18" name="TextBox 17">
               <a:extLst>
                 <a:ext uri="{FF2B5EF4-FFF2-40B4-BE49-F238E27FC236}">
-                  <a16:creationId xmlns="" xmlns:a16="http://schemas.microsoft.com/office/drawing/2014/main" id="{D7B7EE40-BAD9-4569-9BF6-F6E9ACA78A3C}"/>
+                  <a16:creationId xmlns:a16="http://schemas.microsoft.com/office/drawing/2014/main" id="{D7B7EE40-BAD9-4569-9BF6-F6E9ACA78A3C}"/>
                 </a:ext>
               </a:extLst>
             </p:cNvPr>
@@ -4449,7 +4407,7 @@
             <p:cNvPr id="5" name="직사각형 4">
               <a:extLst>
                 <a:ext uri="{FF2B5EF4-FFF2-40B4-BE49-F238E27FC236}">
-                  <a16:creationId xmlns="" xmlns:a16="http://schemas.microsoft.com/office/drawing/2014/main" id="{AB4C8245-D0E4-4D79-B3E9-2FB89CE6FE84}"/>
+                  <a16:creationId xmlns:a16="http://schemas.microsoft.com/office/drawing/2014/main" id="{AB4C8245-D0E4-4D79-B3E9-2FB89CE6FE84}"/>
                 </a:ext>
               </a:extLst>
             </p:cNvPr>
@@ -4502,7 +4460,7 @@
           <p:cNvPr id="30" name="TextBox 29">
             <a:extLst>
               <a:ext uri="{FF2B5EF4-FFF2-40B4-BE49-F238E27FC236}">
-                <a16:creationId xmlns="" xmlns:a16="http://schemas.microsoft.com/office/drawing/2014/main" id="{752FFCDA-B093-44A7-A189-0267EF25E3FC}"/>
+                <a16:creationId xmlns:a16="http://schemas.microsoft.com/office/drawing/2014/main" id="{752FFCDA-B093-44A7-A189-0267EF25E3FC}"/>
               </a:ext>
             </a:extLst>
           </p:cNvPr>
@@ -4550,7 +4508,7 @@
           <p:cNvPr id="2" name="직사각형 1">
             <a:extLst>
               <a:ext uri="{FF2B5EF4-FFF2-40B4-BE49-F238E27FC236}">
-                <a16:creationId xmlns="" xmlns:a16="http://schemas.microsoft.com/office/drawing/2014/main" id="{5264818F-452D-47C9-A37A-930D16A666CA}"/>
+                <a16:creationId xmlns:a16="http://schemas.microsoft.com/office/drawing/2014/main" id="{5264818F-452D-47C9-A37A-930D16A666CA}"/>
               </a:ext>
             </a:extLst>
           </p:cNvPr>
@@ -4679,20 +4637,20 @@
               <a:buChar char="•"/>
             </a:pPr>
             <a:r>
-              <a:rPr lang="ko-KR" altLang="en-US" sz="2500" dirty="0" err="1" smtClean="0">
+              <a:rPr lang="ko-KR" altLang="en-US" sz="2500" dirty="0" err="1">
                 <a:latin typeface="08서울남산체 M" panose="02020603020101020101" pitchFamily="18" charset="-127"/>
                 <a:ea typeface="08서울남산체 M" panose="02020603020101020101" pitchFamily="18" charset="-127"/>
               </a:rPr>
               <a:t>기록장</a:t>
             </a:r>
             <a:r>
-              <a:rPr lang="ko-KR" altLang="en-US" sz="2500" dirty="0" smtClean="0">
+              <a:rPr lang="ko-KR" altLang="en-US" sz="2500" dirty="0">
                 <a:latin typeface="08서울남산체 M" panose="02020603020101020101" pitchFamily="18" charset="-127"/>
                 <a:ea typeface="08서울남산체 M" panose="02020603020101020101" pitchFamily="18" charset="-127"/>
               </a:rPr>
               <a:t> 불러오기</a:t>
             </a:r>
-            <a:endParaRPr lang="en-US" altLang="ko-KR" sz="2500" u="sng" dirty="0" smtClean="0">
+            <a:endParaRPr lang="en-US" altLang="ko-KR" sz="2500" u="sng" dirty="0">
               <a:latin typeface="08서울남산체 M" panose="02020603020101020101" pitchFamily="18" charset="-127"/>
               <a:ea typeface="08서울남산체 M" panose="02020603020101020101" pitchFamily="18" charset="-127"/>
             </a:endParaRPr>
@@ -4706,13 +4664,13 @@
               <a:buChar char="•"/>
             </a:pPr>
             <a:r>
-              <a:rPr lang="ko-KR" altLang="en-US" sz="2500" dirty="0" smtClean="0">
+              <a:rPr lang="ko-KR" altLang="en-US" sz="2500" dirty="0">
                 <a:latin typeface="08서울남산체 M" panose="02020603020101020101" pitchFamily="18" charset="-127"/>
                 <a:ea typeface="08서울남산체 M" panose="02020603020101020101" pitchFamily="18" charset="-127"/>
               </a:rPr>
               <a:t>실시간 책 이미지 받아오기</a:t>
             </a:r>
-            <a:endParaRPr lang="en-US" altLang="ko-KR" sz="2500" dirty="0" smtClean="0">
+            <a:endParaRPr lang="en-US" altLang="ko-KR" sz="2500" dirty="0">
               <a:latin typeface="08서울남산체 M" panose="02020603020101020101" pitchFamily="18" charset="-127"/>
               <a:ea typeface="08서울남산체 M" panose="02020603020101020101" pitchFamily="18" charset="-127"/>
             </a:endParaRPr>
@@ -4726,13 +4684,13 @@
               <a:buChar char="•"/>
             </a:pPr>
             <a:r>
-              <a:rPr lang="ko-KR" altLang="en-US" sz="2500" dirty="0" smtClean="0">
+              <a:rPr lang="ko-KR" altLang="en-US" sz="2500" dirty="0">
                 <a:latin typeface="08서울남산체 M" panose="02020603020101020101" pitchFamily="18" charset="-127"/>
                 <a:ea typeface="08서울남산체 M" panose="02020603020101020101" pitchFamily="18" charset="-127"/>
               </a:rPr>
               <a:t>화면전환</a:t>
             </a:r>
-            <a:endParaRPr lang="en-US" altLang="ko-KR" sz="2500" dirty="0" smtClean="0">
+            <a:endParaRPr lang="en-US" altLang="ko-KR" sz="2500" dirty="0">
               <a:latin typeface="08서울남산체 M" panose="02020603020101020101" pitchFamily="18" charset="-127"/>
               <a:ea typeface="08서울남산체 M" panose="02020603020101020101" pitchFamily="18" charset="-127"/>
             </a:endParaRPr>
@@ -4746,21 +4704,21 @@
               <a:buChar char="•"/>
             </a:pPr>
             <a:r>
-              <a:rPr lang="ko-KR" altLang="en-US" sz="2500" dirty="0" smtClean="0">
+              <a:rPr lang="ko-KR" altLang="en-US" sz="2500" dirty="0">
                 <a:latin typeface="08서울남산체 M" panose="02020603020101020101" pitchFamily="18" charset="-127"/>
                 <a:ea typeface="08서울남산체 M" panose="02020603020101020101" pitchFamily="18" charset="-127"/>
               </a:rPr>
               <a:t>다양한 프레임 </a:t>
             </a:r>
             <a:r>
-              <a:rPr lang="en-US" altLang="ko-KR" sz="2500" dirty="0" smtClean="0">
+              <a:rPr lang="en-US" altLang="ko-KR" sz="2500" dirty="0">
                 <a:latin typeface="08서울남산체 M" panose="02020603020101020101" pitchFamily="18" charset="-127"/>
                 <a:ea typeface="08서울남산체 M" panose="02020603020101020101" pitchFamily="18" charset="-127"/>
               </a:rPr>
               <a:t>GUI</a:t>
             </a:r>
             <a:r>
-              <a:rPr lang="ko-KR" altLang="en-US" sz="2500" dirty="0" smtClean="0">
+              <a:rPr lang="ko-KR" altLang="en-US" sz="2500" dirty="0">
                 <a:latin typeface="08서울남산체 M" panose="02020603020101020101" pitchFamily="18" charset="-127"/>
                 <a:ea typeface="08서울남산체 M" panose="02020603020101020101" pitchFamily="18" charset="-127"/>
               </a:rPr>
@@ -4778,7 +4736,7 @@
           <p:cNvPr id="11" name="그림 10">
             <a:extLst>
               <a:ext uri="{FF2B5EF4-FFF2-40B4-BE49-F238E27FC236}">
-                <a16:creationId xmlns="" xmlns:a16="http://schemas.microsoft.com/office/drawing/2014/main" id="{1B1833A3-44A1-4413-9321-A16B32AA2694}"/>
+                <a16:creationId xmlns:a16="http://schemas.microsoft.com/office/drawing/2014/main" id="{1B1833A3-44A1-4413-9321-A16B32AA2694}"/>
               </a:ext>
             </a:extLst>
           </p:cNvPr>
@@ -4844,7 +4802,7 @@
           <p:cNvPr id="6" name="그룹 5">
             <a:extLst>
               <a:ext uri="{FF2B5EF4-FFF2-40B4-BE49-F238E27FC236}">
-                <a16:creationId xmlns="" xmlns:a16="http://schemas.microsoft.com/office/drawing/2014/main" id="{CA7BD838-D4FB-4EA7-B68C-FA7B6D147BA2}"/>
+                <a16:creationId xmlns:a16="http://schemas.microsoft.com/office/drawing/2014/main" id="{CA7BD838-D4FB-4EA7-B68C-FA7B6D147BA2}"/>
               </a:ext>
             </a:extLst>
           </p:cNvPr>
@@ -4864,7 +4822,7 @@
             <p:cNvPr id="18" name="TextBox 17">
               <a:extLst>
                 <a:ext uri="{FF2B5EF4-FFF2-40B4-BE49-F238E27FC236}">
-                  <a16:creationId xmlns="" xmlns:a16="http://schemas.microsoft.com/office/drawing/2014/main" id="{D7B7EE40-BAD9-4569-9BF6-F6E9ACA78A3C}"/>
+                  <a16:creationId xmlns:a16="http://schemas.microsoft.com/office/drawing/2014/main" id="{D7B7EE40-BAD9-4569-9BF6-F6E9ACA78A3C}"/>
                 </a:ext>
               </a:extLst>
             </p:cNvPr>
@@ -4921,7 +4879,7 @@
             <p:cNvPr id="5" name="직사각형 4">
               <a:extLst>
                 <a:ext uri="{FF2B5EF4-FFF2-40B4-BE49-F238E27FC236}">
-                  <a16:creationId xmlns="" xmlns:a16="http://schemas.microsoft.com/office/drawing/2014/main" id="{AB4C8245-D0E4-4D79-B3E9-2FB89CE6FE84}"/>
+                  <a16:creationId xmlns:a16="http://schemas.microsoft.com/office/drawing/2014/main" id="{AB4C8245-D0E4-4D79-B3E9-2FB89CE6FE84}"/>
                 </a:ext>
               </a:extLst>
             </p:cNvPr>
@@ -4974,7 +4932,7 @@
           <p:cNvPr id="38" name="TextBox 37">
             <a:extLst>
               <a:ext uri="{FF2B5EF4-FFF2-40B4-BE49-F238E27FC236}">
-                <a16:creationId xmlns="" xmlns:a16="http://schemas.microsoft.com/office/drawing/2014/main" id="{1CF45E17-063C-41A3-BFF5-C580687FD87C}"/>
+                <a16:creationId xmlns:a16="http://schemas.microsoft.com/office/drawing/2014/main" id="{1CF45E17-063C-41A3-BFF5-C580687FD87C}"/>
               </a:ext>
             </a:extLst>
           </p:cNvPr>
@@ -5022,7 +4980,7 @@
           <p:cNvPr id="11" name="표 10">
             <a:extLst>
               <a:ext uri="{FF2B5EF4-FFF2-40B4-BE49-F238E27FC236}">
-                <a16:creationId xmlns="" xmlns:a16="http://schemas.microsoft.com/office/drawing/2014/main" id="{2BED0D5A-9BEA-42E3-8CBE-DB42DD445FDC}"/>
+                <a16:creationId xmlns:a16="http://schemas.microsoft.com/office/drawing/2014/main" id="{2BED0D5A-9BEA-42E3-8CBE-DB42DD445FDC}"/>
               </a:ext>
             </a:extLst>
           </p:cNvPr>
@@ -5051,28 +5009,28 @@
                 <a:gridCol w="1057013">
                   <a:extLst>
                     <a:ext uri="{9D8B030D-6E8A-4147-A177-3AD203B41FA5}">
-                      <a16:colId xmlns="" xmlns:a16="http://schemas.microsoft.com/office/drawing/2014/main" val="3130116251"/>
+                      <a16:colId xmlns:a16="http://schemas.microsoft.com/office/drawing/2014/main" val="3130116251"/>
                     </a:ext>
                   </a:extLst>
                 </a:gridCol>
                 <a:gridCol w="3404519">
                   <a:extLst>
                     <a:ext uri="{9D8B030D-6E8A-4147-A177-3AD203B41FA5}">
-                      <a16:colId xmlns="" xmlns:a16="http://schemas.microsoft.com/office/drawing/2014/main" val="567274282"/>
+                      <a16:colId xmlns:a16="http://schemas.microsoft.com/office/drawing/2014/main" val="567274282"/>
                     </a:ext>
                   </a:extLst>
                 </a:gridCol>
                 <a:gridCol w="5601297">
                   <a:extLst>
                     <a:ext uri="{9D8B030D-6E8A-4147-A177-3AD203B41FA5}">
-                      <a16:colId xmlns="" xmlns:a16="http://schemas.microsoft.com/office/drawing/2014/main" val="4240577183"/>
+                      <a16:colId xmlns:a16="http://schemas.microsoft.com/office/drawing/2014/main" val="4240577183"/>
                     </a:ext>
                   </a:extLst>
                 </a:gridCol>
                 <a:gridCol w="841664">
                   <a:extLst>
                     <a:ext uri="{9D8B030D-6E8A-4147-A177-3AD203B41FA5}">
-                      <a16:colId xmlns="" xmlns:a16="http://schemas.microsoft.com/office/drawing/2014/main" val="3110937553"/>
+                      <a16:colId xmlns:a16="http://schemas.microsoft.com/office/drawing/2014/main" val="3110937553"/>
                     </a:ext>
                   </a:extLst>
                 </a:gridCol>
@@ -5160,7 +5118,7 @@
                 </a:tc>
                 <a:extLst>
                   <a:ext uri="{0D108BD9-81ED-4DB2-BD59-A6C34878D82A}">
-                    <a16:rowId xmlns="" xmlns:a16="http://schemas.microsoft.com/office/drawing/2014/main" val="1771836580"/>
+                    <a16:rowId xmlns:a16="http://schemas.microsoft.com/office/drawing/2014/main" val="1771836580"/>
                   </a:ext>
                 </a:extLst>
               </a:tr>
@@ -5439,7 +5397,7 @@
                 </a:tc>
                 <a:extLst>
                   <a:ext uri="{0D108BD9-81ED-4DB2-BD59-A6C34878D82A}">
-                    <a16:rowId xmlns="" xmlns:a16="http://schemas.microsoft.com/office/drawing/2014/main" val="3969082127"/>
+                    <a16:rowId xmlns:a16="http://schemas.microsoft.com/office/drawing/2014/main" val="3969082127"/>
                   </a:ext>
                 </a:extLst>
               </a:tr>
@@ -5827,12 +5785,12 @@
                         <a:defRPr/>
                       </a:pPr>
                       <a:r>
-                        <a:rPr lang="en-US" altLang="ko-KR" sz="1600" dirty="0" smtClean="0">
+                        <a:rPr lang="en-US" altLang="ko-KR" sz="1600" dirty="0">
                           <a:ea typeface="KoPub돋움체 Light" panose="02020603020101020101"/>
                         </a:rPr>
                         <a:t>O</a:t>
                       </a:r>
-                      <a:endParaRPr lang="ko-KR" altLang="en-US" sz="1600" dirty="0" smtClean="0">
+                      <a:endParaRPr lang="ko-KR" altLang="en-US" sz="1600" dirty="0">
                         <a:latin typeface="08서울남산체 M" panose="02020603020101020101" pitchFamily="18" charset="-127"/>
                         <a:ea typeface="KoPub돋움체 Light" panose="02020603020101020101"/>
                       </a:endParaRPr>
@@ -5842,7 +5800,7 @@
                 </a:tc>
                 <a:extLst>
                   <a:ext uri="{0D108BD9-81ED-4DB2-BD59-A6C34878D82A}">
-                    <a16:rowId xmlns="" xmlns:a16="http://schemas.microsoft.com/office/drawing/2014/main" val="3079507104"/>
+                    <a16:rowId xmlns:a16="http://schemas.microsoft.com/office/drawing/2014/main" val="3079507104"/>
                   </a:ext>
                 </a:extLst>
               </a:tr>
@@ -5960,23 +5918,19 @@
                     <a:p>
                       <a:pPr algn="ctr" latinLnBrk="1"/>
                       <a:r>
-                        <a:rPr lang="ko-KR" altLang="en-US" sz="1600" dirty="0" smtClean="0">
+                        <a:rPr lang="ko-KR" altLang="en-US" sz="1600" dirty="0">
                           <a:latin typeface="08서울남산체 M" panose="02020603020101020101" pitchFamily="18" charset="-127"/>
                           <a:ea typeface="KoPub돋움체 Light" panose="02020603020101020101"/>
                         </a:rPr>
                         <a:t>△</a:t>
                       </a:r>
-                      <a:endParaRPr lang="ko-KR" altLang="en-US" sz="1600" dirty="0">
-                        <a:latin typeface="08서울남산체 M" panose="02020603020101020101" pitchFamily="18" charset="-127"/>
-                        <a:ea typeface="KoPub돋움체 Light" panose="02020603020101020101"/>
-                      </a:endParaRPr>
                     </a:p>
                   </a:txBody>
                   <a:tcPr marL="108000" marR="108000" marT="108000" marB="108000" anchor="ctr"/>
                 </a:tc>
                 <a:extLst>
                   <a:ext uri="{0D108BD9-81ED-4DB2-BD59-A6C34878D82A}">
-                    <a16:rowId xmlns="" xmlns:a16="http://schemas.microsoft.com/office/drawing/2014/main" val="94333453"/>
+                    <a16:rowId xmlns:a16="http://schemas.microsoft.com/office/drawing/2014/main" val="94333453"/>
                   </a:ext>
                 </a:extLst>
               </a:tr>
@@ -6173,19 +6127,19 @@
                         <a:t>, C / C++</a:t>
                       </a:r>
                       <a:r>
-                        <a:rPr lang="ko-KR" altLang="en-US" sz="1500" dirty="0" smtClean="0">
+                        <a:rPr lang="ko-KR" altLang="en-US" sz="1500" dirty="0">
                           <a:ea typeface="KoPub돋움체 Light" panose="02020603020101020101"/>
                         </a:rPr>
                         <a:t>연동</a:t>
                       </a:r>
                       <a:r>
-                        <a:rPr lang="en-US" altLang="ko-KR" sz="1500" dirty="0" smtClean="0">
+                        <a:rPr lang="en-US" altLang="ko-KR" sz="1500" dirty="0">
                           <a:ea typeface="KoPub돋움체 Light" panose="02020603020101020101"/>
                         </a:rPr>
                         <a:t>,</a:t>
                       </a:r>
                       <a:r>
-                        <a:rPr lang="ko-KR" altLang="en-US" sz="1500" dirty="0" smtClean="0">
+                        <a:rPr lang="ko-KR" altLang="en-US" sz="1500" dirty="0">
                           <a:ea typeface="KoPub돋움체 Light" panose="02020603020101020101"/>
                         </a:rPr>
                         <a:t>지도</a:t>
@@ -6214,7 +6168,7 @@
                 </a:tc>
                 <a:extLst>
                   <a:ext uri="{0D108BD9-81ED-4DB2-BD59-A6C34878D82A}">
-                    <a16:rowId xmlns="" xmlns:a16="http://schemas.microsoft.com/office/drawing/2014/main" val="3155219568"/>
+                    <a16:rowId xmlns:a16="http://schemas.microsoft.com/office/drawing/2014/main" val="3155219568"/>
                   </a:ext>
                 </a:extLst>
               </a:tr>
@@ -6389,7 +6343,7 @@
                 </a:tc>
                 <a:extLst>
                   <a:ext uri="{0D108BD9-81ED-4DB2-BD59-A6C34878D82A}">
-                    <a16:rowId xmlns="" xmlns:a16="http://schemas.microsoft.com/office/drawing/2014/main" val="1083539043"/>
+                    <a16:rowId xmlns:a16="http://schemas.microsoft.com/office/drawing/2014/main" val="1083539043"/>
                   </a:ext>
                 </a:extLst>
               </a:tr>
@@ -6527,7 +6481,7 @@
                 </a:tc>
                 <a:extLst>
                   <a:ext uri="{0D108BD9-81ED-4DB2-BD59-A6C34878D82A}">
-                    <a16:rowId xmlns="" xmlns:a16="http://schemas.microsoft.com/office/drawing/2014/main" val="746666000"/>
+                    <a16:rowId xmlns:a16="http://schemas.microsoft.com/office/drawing/2014/main" val="746666000"/>
                   </a:ext>
                 </a:extLst>
               </a:tr>
@@ -6570,7 +6524,7 @@
           <p:cNvPr id="6" name="그룹 5">
             <a:extLst>
               <a:ext uri="{FF2B5EF4-FFF2-40B4-BE49-F238E27FC236}">
-                <a16:creationId xmlns="" xmlns:a16="http://schemas.microsoft.com/office/drawing/2014/main" id="{CA7BD838-D4FB-4EA7-B68C-FA7B6D147BA2}"/>
+                <a16:creationId xmlns:a16="http://schemas.microsoft.com/office/drawing/2014/main" id="{CA7BD838-D4FB-4EA7-B68C-FA7B6D147BA2}"/>
               </a:ext>
             </a:extLst>
           </p:cNvPr>
@@ -6590,7 +6544,7 @@
             <p:cNvPr id="18" name="TextBox 17">
               <a:extLst>
                 <a:ext uri="{FF2B5EF4-FFF2-40B4-BE49-F238E27FC236}">
-                  <a16:creationId xmlns="" xmlns:a16="http://schemas.microsoft.com/office/drawing/2014/main" id="{D7B7EE40-BAD9-4569-9BF6-F6E9ACA78A3C}"/>
+                  <a16:creationId xmlns:a16="http://schemas.microsoft.com/office/drawing/2014/main" id="{D7B7EE40-BAD9-4569-9BF6-F6E9ACA78A3C}"/>
                 </a:ext>
               </a:extLst>
             </p:cNvPr>
@@ -6615,7 +6569,7 @@
             <a:p>
               <a:pPr algn="ctr"/>
               <a:r>
-                <a:rPr lang="en-US" altLang="ko-KR" sz="2400" dirty="0" err="1" smtClean="0">
+                <a:rPr lang="en-US" altLang="ko-KR" sz="2400" dirty="0" err="1">
                   <a:ln>
                     <a:solidFill>
                       <a:schemeClr val="tx1">
@@ -6629,7 +6583,7 @@
                 <a:t>Git</a:t>
               </a:r>
               <a:r>
-                <a:rPr lang="en-US" altLang="ko-KR" sz="2400" dirty="0" smtClean="0">
+                <a:rPr lang="en-US" altLang="ko-KR" sz="2400" dirty="0">
                   <a:ln>
                     <a:solidFill>
                       <a:schemeClr val="tx1">
@@ -6643,7 +6597,7 @@
                 <a:t> </a:t>
               </a:r>
               <a:r>
-                <a:rPr lang="ko-KR" altLang="en-US" sz="2400" dirty="0" smtClean="0">
+                <a:rPr lang="ko-KR" altLang="en-US" sz="2400" dirty="0">
                   <a:ln>
                     <a:solidFill>
                       <a:schemeClr val="tx1">
@@ -6656,17 +6610,6 @@
                 </a:rPr>
                 <a:t>현황</a:t>
               </a:r>
-              <a:endParaRPr lang="ko-KR" altLang="en-US" sz="2400" dirty="0">
-                <a:ln>
-                  <a:solidFill>
-                    <a:schemeClr val="tx1">
-                      <a:alpha val="30000"/>
-                    </a:schemeClr>
-                  </a:solidFill>
-                </a:ln>
-                <a:latin typeface="KoPub돋움체 Light" panose="02020603020101020101" pitchFamily="18" charset="-127"/>
-                <a:ea typeface="KoPub돋움체 Light" panose="02020603020101020101" pitchFamily="18" charset="-127"/>
-              </a:endParaRPr>
             </a:p>
           </p:txBody>
         </p:sp>
@@ -6675,7 +6618,7 @@
             <p:cNvPr id="5" name="직사각형 4">
               <a:extLst>
                 <a:ext uri="{FF2B5EF4-FFF2-40B4-BE49-F238E27FC236}">
-                  <a16:creationId xmlns="" xmlns:a16="http://schemas.microsoft.com/office/drawing/2014/main" id="{AB4C8245-D0E4-4D79-B3E9-2FB89CE6FE84}"/>
+                  <a16:creationId xmlns:a16="http://schemas.microsoft.com/office/drawing/2014/main" id="{AB4C8245-D0E4-4D79-B3E9-2FB89CE6FE84}"/>
                 </a:ext>
               </a:extLst>
             </p:cNvPr>
@@ -6806,7 +6749,7 @@
           <p:cNvPr id="2" name="TextBox 1">
             <a:extLst>
               <a:ext uri="{FF2B5EF4-FFF2-40B4-BE49-F238E27FC236}">
-                <a16:creationId xmlns="" xmlns:a16="http://schemas.microsoft.com/office/drawing/2014/main" id="{8C8FCD74-879C-42EB-8E54-8521F532144E}"/>
+                <a16:creationId xmlns:a16="http://schemas.microsoft.com/office/drawing/2014/main" id="{8C8FCD74-879C-42EB-8E54-8521F532144E}"/>
               </a:ext>
             </a:extLst>
           </p:cNvPr>
